--- a/2.1 Data Structures - Advanced.pptx
+++ b/2.1 Data Structures - Advanced.pptx
@@ -5,7 +5,7 @@
     <p:sldMasterId id="2147483648" r:id="rId1"/>
   </p:sldMasterIdLst>
   <p:notesMasterIdLst>
-    <p:notesMasterId r:id="rId13"/>
+    <p:notesMasterId r:id="rId14"/>
   </p:notesMasterIdLst>
   <p:sldIdLst>
     <p:sldId id="256" r:id="rId2"/>
@@ -18,7 +18,8 @@
     <p:sldId id="275" r:id="rId9"/>
     <p:sldId id="276" r:id="rId10"/>
     <p:sldId id="277" r:id="rId11"/>
-    <p:sldId id="278" r:id="rId12"/>
+    <p:sldId id="279" r:id="rId12"/>
+    <p:sldId id="278" r:id="rId13"/>
   </p:sldIdLst>
   <p:sldSz cx="12192000" cy="6858000"/>
   <p:notesSz cx="6858000" cy="9144000"/>
@@ -132,6 +133,7 @@
             <p14:sldId id="275"/>
             <p14:sldId id="276"/>
             <p14:sldId id="277"/>
+            <p14:sldId id="279"/>
             <p14:sldId id="278"/>
           </p14:sldIdLst>
         </p14:section>
@@ -226,7 +228,7 @@
           <a:p>
             <a:fld id="{245D6BBE-FF37-4515-B796-D30B23A0C718}" type="datetimeFigureOut">
               <a:rPr lang="ru-RU" smtClean="0"/>
-              <a:t>25.10.2016</a:t>
+              <a:t>28.10.2016</a:t>
             </a:fld>
             <a:endParaRPr lang="ru-RU"/>
           </a:p>
@@ -622,7 +624,7 @@
           <a:p>
             <a:fld id="{7CD9CFFE-9B8E-4E6F-9C50-BF6CD17BA4CD}" type="datetimeFigureOut">
               <a:rPr lang="ru-RU" smtClean="0"/>
-              <a:t>25.10.2016</a:t>
+              <a:t>28.10.2016</a:t>
             </a:fld>
             <a:endParaRPr lang="ru-RU"/>
           </a:p>
@@ -790,7 +792,7 @@
           <a:p>
             <a:fld id="{7CD9CFFE-9B8E-4E6F-9C50-BF6CD17BA4CD}" type="datetimeFigureOut">
               <a:rPr lang="ru-RU" smtClean="0"/>
-              <a:t>25.10.2016</a:t>
+              <a:t>28.10.2016</a:t>
             </a:fld>
             <a:endParaRPr lang="ru-RU"/>
           </a:p>
@@ -968,7 +970,7 @@
           <a:p>
             <a:fld id="{7CD9CFFE-9B8E-4E6F-9C50-BF6CD17BA4CD}" type="datetimeFigureOut">
               <a:rPr lang="ru-RU" smtClean="0"/>
-              <a:t>25.10.2016</a:t>
+              <a:t>28.10.2016</a:t>
             </a:fld>
             <a:endParaRPr lang="ru-RU"/>
           </a:p>
@@ -1136,7 +1138,7 @@
           <a:p>
             <a:fld id="{7CD9CFFE-9B8E-4E6F-9C50-BF6CD17BA4CD}" type="datetimeFigureOut">
               <a:rPr lang="ru-RU" smtClean="0"/>
-              <a:t>25.10.2016</a:t>
+              <a:t>28.10.2016</a:t>
             </a:fld>
             <a:endParaRPr lang="ru-RU"/>
           </a:p>
@@ -1381,7 +1383,7 @@
           <a:p>
             <a:fld id="{7CD9CFFE-9B8E-4E6F-9C50-BF6CD17BA4CD}" type="datetimeFigureOut">
               <a:rPr lang="ru-RU" smtClean="0"/>
-              <a:t>25.10.2016</a:t>
+              <a:t>28.10.2016</a:t>
             </a:fld>
             <a:endParaRPr lang="ru-RU"/>
           </a:p>
@@ -1610,7 +1612,7 @@
           <a:p>
             <a:fld id="{7CD9CFFE-9B8E-4E6F-9C50-BF6CD17BA4CD}" type="datetimeFigureOut">
               <a:rPr lang="ru-RU" smtClean="0"/>
-              <a:t>25.10.2016</a:t>
+              <a:t>28.10.2016</a:t>
             </a:fld>
             <a:endParaRPr lang="ru-RU"/>
           </a:p>
@@ -1974,7 +1976,7 @@
           <a:p>
             <a:fld id="{7CD9CFFE-9B8E-4E6F-9C50-BF6CD17BA4CD}" type="datetimeFigureOut">
               <a:rPr lang="ru-RU" smtClean="0"/>
-              <a:t>25.10.2016</a:t>
+              <a:t>28.10.2016</a:t>
             </a:fld>
             <a:endParaRPr lang="ru-RU"/>
           </a:p>
@@ -2091,7 +2093,7 @@
           <a:p>
             <a:fld id="{7CD9CFFE-9B8E-4E6F-9C50-BF6CD17BA4CD}" type="datetimeFigureOut">
               <a:rPr lang="ru-RU" smtClean="0"/>
-              <a:t>25.10.2016</a:t>
+              <a:t>28.10.2016</a:t>
             </a:fld>
             <a:endParaRPr lang="ru-RU"/>
           </a:p>
@@ -2186,7 +2188,7 @@
           <a:p>
             <a:fld id="{7CD9CFFE-9B8E-4E6F-9C50-BF6CD17BA4CD}" type="datetimeFigureOut">
               <a:rPr lang="ru-RU" smtClean="0"/>
-              <a:t>25.10.2016</a:t>
+              <a:t>28.10.2016</a:t>
             </a:fld>
             <a:endParaRPr lang="ru-RU"/>
           </a:p>
@@ -2461,7 +2463,7 @@
           <a:p>
             <a:fld id="{7CD9CFFE-9B8E-4E6F-9C50-BF6CD17BA4CD}" type="datetimeFigureOut">
               <a:rPr lang="ru-RU" smtClean="0"/>
-              <a:t>25.10.2016</a:t>
+              <a:t>28.10.2016</a:t>
             </a:fld>
             <a:endParaRPr lang="ru-RU"/>
           </a:p>
@@ -2713,7 +2715,7 @@
           <a:p>
             <a:fld id="{7CD9CFFE-9B8E-4E6F-9C50-BF6CD17BA4CD}" type="datetimeFigureOut">
               <a:rPr lang="ru-RU" smtClean="0"/>
-              <a:t>25.10.2016</a:t>
+              <a:t>28.10.2016</a:t>
             </a:fld>
             <a:endParaRPr lang="ru-RU"/>
           </a:p>
@@ -2924,7 +2926,7 @@
           <a:p>
             <a:fld id="{7CD9CFFE-9B8E-4E6F-9C50-BF6CD17BA4CD}" type="datetimeFigureOut">
               <a:rPr lang="ru-RU" smtClean="0"/>
-              <a:t>25.10.2016</a:t>
+              <a:t>28.10.2016</a:t>
             </a:fld>
             <a:endParaRPr lang="ru-RU"/>
           </a:p>
@@ -3574,6 +3576,149 @@
           <a:p>
             <a:r>
               <a:rPr lang="ru-RU" dirty="0"/>
+              <a:t>Заключение</a:t>
+            </a:r>
+          </a:p>
+        </p:txBody>
+      </p:sp>
+      <p:sp>
+        <p:nvSpPr>
+          <p:cNvPr id="3" name="Объект 2"/>
+          <p:cNvSpPr>
+            <a:spLocks noGrp="1"/>
+          </p:cNvSpPr>
+          <p:nvPr>
+            <p:ph idx="1"/>
+          </p:nvPr>
+        </p:nvSpPr>
+        <p:spPr>
+          <a:xfrm>
+            <a:off x="838200" y="1380067"/>
+            <a:ext cx="10515600" cy="4796896"/>
+          </a:xfrm>
+        </p:spPr>
+        <p:txBody>
+          <a:bodyPr>
+            <a:normAutofit fontScale="77500" lnSpcReduction="20000"/>
+          </a:bodyPr>
+          <a:lstStyle/>
+          <a:p>
+            <a:r>
+              <a:rPr lang="ru-RU" dirty="0"/>
+              <a:t>Написание программы заключается в композиции функций для манипулирования структурами данных.</a:t>
+            </a:r>
+          </a:p>
+          <a:p>
+            <a:r>
+              <a:rPr lang="ru-RU" dirty="0"/>
+              <a:t>Базовые типы позволяют  использовать логические, строковые и числовые данные.</a:t>
+            </a:r>
+            <a:endParaRPr lang="en-US" dirty="0"/>
+          </a:p>
+          <a:p>
+            <a:r>
+              <a:rPr lang="ru-RU" dirty="0"/>
+              <a:t>Структуры данных позволяют группировать связанные данные вместе</a:t>
+            </a:r>
+            <a:r>
+              <a:rPr lang="en-US" dirty="0"/>
+              <a:t>: </a:t>
+            </a:r>
+            <a:r>
+              <a:rPr lang="ru-RU" dirty="0"/>
+              <a:t>векторы и массивы группируют значения одного типа.</a:t>
+            </a:r>
+          </a:p>
+          <a:p>
+            <a:r>
+              <a:rPr lang="ru-RU" dirty="0"/>
+              <a:t>Матрицы существуют для тех кто понимает для чего они нужны.</a:t>
+            </a:r>
+          </a:p>
+          <a:p>
+            <a:r>
+              <a:rPr lang="ru-RU" dirty="0"/>
+              <a:t>Списки позволяют комбинировать разные типы данных.</a:t>
+            </a:r>
+          </a:p>
+          <a:p>
+            <a:r>
+              <a:rPr lang="ru-RU" dirty="0" err="1"/>
+              <a:t>Датафреймы</a:t>
+            </a:r>
+            <a:r>
+              <a:rPr lang="ru-RU" dirty="0"/>
+              <a:t> это гибриды матриц и списков – классическая структура таблица данных.</a:t>
+            </a:r>
+          </a:p>
+          <a:p>
+            <a:r>
+              <a:rPr lang="ru-RU" dirty="0"/>
+              <a:t>Вместо констант всегда используйте переменные. Даже когда константы не меняются.</a:t>
+            </a:r>
+          </a:p>
+          <a:p>
+            <a:r>
+              <a:rPr lang="ru-RU" dirty="0"/>
+              <a:t>Именуйте компоненты сложных структур данных, так они приобретают дополнительный смысл и позволяют обращаться к элементам более осмысленно.</a:t>
+            </a:r>
+          </a:p>
+          <a:p>
+            <a:r>
+              <a:rPr lang="ru-RU" dirty="0"/>
+              <a:t>Изучите рекурсию, чтобы познать смысл функциональных языков!</a:t>
+            </a:r>
+            <a:endParaRPr lang="en-US" dirty="0"/>
+          </a:p>
+        </p:txBody>
+      </p:sp>
+    </p:spTree>
+    <p:extLst>
+      <p:ext uri="{BB962C8B-B14F-4D97-AF65-F5344CB8AC3E}">
+        <p14:creationId xmlns:p14="http://schemas.microsoft.com/office/powerpoint/2010/main" val="1510976589"/>
+      </p:ext>
+    </p:extLst>
+  </p:cSld>
+  <p:clrMapOvr>
+    <a:masterClrMapping/>
+  </p:clrMapOvr>
+</p:sld>
+</file>
+
+<file path=ppt/slides/slide12.xml><?xml version="1.0" encoding="utf-8"?>
+<p:sld xmlns:a="http://schemas.openxmlformats.org/drawingml/2006/main" xmlns:r="http://schemas.openxmlformats.org/officeDocument/2006/relationships" xmlns:p="http://schemas.openxmlformats.org/presentationml/2006/main">
+  <p:cSld>
+    <p:spTree>
+      <p:nvGrpSpPr>
+        <p:cNvPr id="1" name=""/>
+        <p:cNvGrpSpPr/>
+        <p:nvPr/>
+      </p:nvGrpSpPr>
+      <p:grpSpPr>
+        <a:xfrm>
+          <a:off x="0" y="0"/>
+          <a:ext cx="0" cy="0"/>
+          <a:chOff x="0" y="0"/>
+          <a:chExt cx="0" cy="0"/>
+        </a:xfrm>
+      </p:grpSpPr>
+      <p:sp>
+        <p:nvSpPr>
+          <p:cNvPr id="2" name="Заголовок 1"/>
+          <p:cNvSpPr>
+            <a:spLocks noGrp="1"/>
+          </p:cNvSpPr>
+          <p:nvPr>
+            <p:ph type="title"/>
+          </p:nvPr>
+        </p:nvSpPr>
+        <p:spPr/>
+        <p:txBody>
+          <a:bodyPr/>
+          <a:lstStyle/>
+          <a:p>
+            <a:r>
+              <a:rPr lang="ru-RU" dirty="0"/>
               <a:t>Домашнее задание</a:t>
             </a:r>
           </a:p>
@@ -3593,25 +3738,6 @@
         <p:txBody>
           <a:bodyPr/>
           <a:lstStyle/>
-          <a:p>
-            <a:r>
-              <a:rPr lang="ru-RU" dirty="0"/>
-              <a:t>Примеры, приведённые в это презентации записать в виде программы на </a:t>
-            </a:r>
-            <a:r>
-              <a:rPr lang="en-US" dirty="0"/>
-              <a:t>R. </a:t>
-            </a:r>
-            <a:r>
-              <a:rPr lang="ru-RU" dirty="0"/>
-              <a:t>Сохранить в папку </a:t>
-            </a:r>
-            <a:r>
-              <a:rPr lang="en-US"/>
-              <a:t>lab3</a:t>
-            </a:r>
-            <a:endParaRPr lang="ru-RU" dirty="0"/>
-          </a:p>
           <a:p>
             <a:r>
               <a:rPr lang="en-US" dirty="0"/>
@@ -3619,7 +3745,11 @@
             </a:r>
             <a:r>
               <a:rPr lang="ru-RU" dirty="0"/>
-              <a:t>к следующему занятию</a:t>
+              <a:t>к </a:t>
+            </a:r>
+            <a:r>
+              <a:rPr lang="ru-RU"/>
+              <a:t>следующему занятию</a:t>
             </a:r>
           </a:p>
         </p:txBody>
@@ -5004,7 +5134,6 @@
               <a:rPr lang="ru-RU" dirty="0"/>
               <a:t>применяет переданную в качестве аргумента функцию к строкам или столбцам</a:t>
             </a:r>
-            <a:endParaRPr lang="ru-RU" dirty="0"/>
           </a:p>
         </p:txBody>
       </p:sp>
